--- a/CA PPT.pptx
+++ b/CA PPT.pptx
@@ -30,25 +30,25 @@
   <p:notesSz cx="6858000" cy="9144000"/>
   <p:embeddedFontLst>
     <p:embeddedFont>
-      <p:font typeface="Fira Sans Extra Condensed SemiBold" panose="020B0604020202020204" charset="0"/>
+      <p:font typeface="Roboto" panose="020B0604020202020204" charset="0"/>
       <p:regular r:id="rId20"/>
       <p:bold r:id="rId21"/>
       <p:italic r:id="rId22"/>
       <p:boldItalic r:id="rId23"/>
     </p:embeddedFont>
     <p:embeddedFont>
-      <p:font typeface="Roboto" panose="020B0604020202020204" charset="0"/>
+      <p:font typeface="Bahnschrift Light" panose="020B0502040204020203" pitchFamily="34" charset="0"/>
       <p:regular r:id="rId24"/>
-      <p:bold r:id="rId25"/>
-      <p:italic r:id="rId26"/>
-      <p:boldItalic r:id="rId27"/>
+    </p:embeddedFont>
+    <p:embeddedFont>
+      <p:font typeface="Fira Sans Extra Condensed SemiBold" panose="020B0604020202020204" charset="0"/>
+      <p:regular r:id="rId25"/>
+      <p:bold r:id="rId26"/>
+      <p:italic r:id="rId27"/>
+      <p:boldItalic r:id="rId28"/>
     </p:embeddedFont>
     <p:embeddedFont>
       <p:font typeface="Abadi" panose="020B0604020202020204" charset="0"/>
-      <p:regular r:id="rId28"/>
-    </p:embeddedFont>
-    <p:embeddedFont>
-      <p:font typeface="Bahnschrift Light" panose="020B0502040204020203" pitchFamily="34" charset="0"/>
       <p:regular r:id="rId29"/>
     </p:embeddedFont>
   </p:embeddedFontLst>
@@ -18264,7 +18264,7 @@
         </p:nvSpPr>
         <p:spPr>
           <a:xfrm>
-            <a:off x="59365" y="3518834"/>
+            <a:off x="197589" y="4241089"/>
             <a:ext cx="3557066" cy="1546299"/>
           </a:xfrm>
           <a:prstGeom prst="rect">
@@ -18302,23 +18302,20 @@
                 <a:cs typeface="Roboto"/>
                 <a:sym typeface="Roboto"/>
               </a:rPr>
-              <a:t>Presented by</a:t>
+              <a:t>Presented </a:t>
             </a:r>
-          </a:p>
-          <a:p>
-            <a:pPr marL="285750" lvl="0" indent="-285750" rtl="0">
-              <a:lnSpc>
-                <a:spcPts val="2200"/>
-              </a:lnSpc>
-              <a:spcBef>
-                <a:spcPts val="0"/>
-              </a:spcBef>
-              <a:spcAft>
-                <a:spcPts val="0"/>
-              </a:spcAft>
-              <a:buFont typeface="Arial" panose="020B0604020202020204" pitchFamily="34" charset="0"/>
-              <a:buChar char="•"/>
-            </a:pPr>
+            <a:r>
+              <a:rPr lang="en-US" sz="1200" b="1" u="sng" dirty="0" smtClean="0">
+                <a:solidFill>
+                  <a:schemeClr val="tx1"/>
+                </a:solidFill>
+                <a:latin typeface="Roboto"/>
+                <a:ea typeface="Roboto"/>
+                <a:cs typeface="Roboto"/>
+                <a:sym typeface="Roboto"/>
+              </a:rPr>
+              <a:t>by: </a:t>
+            </a:r>
             <a:r>
               <a:rPr lang="en-US" sz="1200" dirty="0" err="1" smtClean="0">
                 <a:solidFill>
@@ -18377,58 +18374,7 @@
                 <a:cs typeface="Roboto"/>
                 <a:sym typeface="Roboto"/>
               </a:rPr>
-              <a:t>(22BCE062)</a:t>
-            </a:r>
-          </a:p>
-          <a:p>
-            <a:pPr marL="285750" lvl="0" indent="-285750" rtl="0">
-              <a:lnSpc>
-                <a:spcPts val="2200"/>
-              </a:lnSpc>
-              <a:spcBef>
-                <a:spcPts val="0"/>
-              </a:spcBef>
-              <a:spcAft>
-                <a:spcPts val="0"/>
-              </a:spcAft>
-              <a:buFont typeface="Arial" panose="020B0604020202020204" pitchFamily="34" charset="0"/>
-              <a:buChar char="•"/>
-            </a:pPr>
-            <a:r>
-              <a:rPr lang="en-US" sz="1200" dirty="0" err="1">
-                <a:solidFill>
-                  <a:schemeClr val="tx1"/>
-                </a:solidFill>
-                <a:latin typeface="Roboto"/>
-                <a:ea typeface="Roboto"/>
-                <a:cs typeface="Roboto"/>
-                <a:sym typeface="Roboto"/>
-              </a:rPr>
-              <a:t>Vashita</a:t>
-            </a:r>
-            <a:r>
-              <a:rPr lang="en-US" sz="1200" dirty="0">
-                <a:solidFill>
-                  <a:schemeClr val="tx1"/>
-                </a:solidFill>
-                <a:latin typeface="Roboto"/>
-                <a:ea typeface="Roboto"/>
-                <a:cs typeface="Roboto"/>
-                <a:sym typeface="Roboto"/>
-              </a:rPr>
-              <a:t> </a:t>
-            </a:r>
-            <a:r>
-              <a:rPr lang="en-US" sz="1200" dirty="0" err="1" smtClean="0">
-                <a:solidFill>
-                  <a:schemeClr val="tx1"/>
-                </a:solidFill>
-                <a:latin typeface="Roboto"/>
-                <a:ea typeface="Roboto"/>
-                <a:cs typeface="Roboto"/>
-                <a:sym typeface="Roboto"/>
-              </a:rPr>
-              <a:t>Darji</a:t>
+              <a:t>(22BCE062</a:t>
             </a:r>
             <a:r>
               <a:rPr lang="en-US" sz="1200" dirty="0" smtClean="0">
@@ -18440,125 +18386,8 @@
                 <a:cs typeface="Roboto"/>
                 <a:sym typeface="Roboto"/>
               </a:rPr>
-              <a:t>(22BCE056</a:t>
-            </a:r>
-            <a:r>
-              <a:rPr lang="en-US" sz="1200" dirty="0">
-                <a:solidFill>
-                  <a:schemeClr val="tx1"/>
-                </a:solidFill>
-                <a:latin typeface="Roboto"/>
-                <a:ea typeface="Roboto"/>
-                <a:cs typeface="Roboto"/>
-                <a:sym typeface="Roboto"/>
-              </a:rPr>
               <a:t>)</a:t>
             </a:r>
-          </a:p>
-          <a:p>
-            <a:pPr marL="285750" lvl="0" indent="-285750" rtl="0">
-              <a:lnSpc>
-                <a:spcPts val="2200"/>
-              </a:lnSpc>
-              <a:spcBef>
-                <a:spcPts val="0"/>
-              </a:spcBef>
-              <a:spcAft>
-                <a:spcPts val="0"/>
-              </a:spcAft>
-              <a:buFont typeface="Arial" panose="020B0604020202020204" pitchFamily="34" charset="0"/>
-              <a:buChar char="•"/>
-            </a:pPr>
-            <a:r>
-              <a:rPr lang="en-US" sz="1200" dirty="0">
-                <a:solidFill>
-                  <a:schemeClr val="tx1"/>
-                </a:solidFill>
-                <a:latin typeface="Roboto"/>
-                <a:ea typeface="Roboto"/>
-                <a:cs typeface="Roboto"/>
-                <a:sym typeface="Roboto"/>
-              </a:rPr>
-              <a:t>Ansh Bhavsar (22BCE019)</a:t>
-            </a:r>
-          </a:p>
-          <a:p>
-            <a:pPr marL="285750" lvl="0" indent="-285750" rtl="0">
-              <a:lnSpc>
-                <a:spcPts val="2200"/>
-              </a:lnSpc>
-              <a:spcBef>
-                <a:spcPts val="0"/>
-              </a:spcBef>
-              <a:spcAft>
-                <a:spcPts val="0"/>
-              </a:spcAft>
-              <a:buFont typeface="Arial" panose="020B0604020202020204" pitchFamily="34" charset="0"/>
-              <a:buChar char="•"/>
-            </a:pPr>
-            <a:r>
-              <a:rPr lang="en-US" sz="1200" dirty="0" err="1">
-                <a:solidFill>
-                  <a:schemeClr val="tx1"/>
-                </a:solidFill>
-                <a:latin typeface="Roboto"/>
-                <a:ea typeface="Roboto"/>
-                <a:cs typeface="Roboto"/>
-                <a:sym typeface="Roboto"/>
-              </a:rPr>
-              <a:t>Sezan</a:t>
-            </a:r>
-            <a:r>
-              <a:rPr lang="en-US" sz="1200" dirty="0">
-                <a:solidFill>
-                  <a:schemeClr val="tx1"/>
-                </a:solidFill>
-                <a:latin typeface="Roboto"/>
-                <a:ea typeface="Roboto"/>
-                <a:cs typeface="Roboto"/>
-                <a:sym typeface="Roboto"/>
-              </a:rPr>
-              <a:t> </a:t>
-            </a:r>
-            <a:r>
-              <a:rPr lang="en-US" sz="1200" dirty="0" err="1">
-                <a:solidFill>
-                  <a:schemeClr val="tx1"/>
-                </a:solidFill>
-                <a:latin typeface="Roboto"/>
-                <a:ea typeface="Roboto"/>
-                <a:cs typeface="Roboto"/>
-                <a:sym typeface="Roboto"/>
-              </a:rPr>
-              <a:t>Agvan</a:t>
-            </a:r>
-            <a:r>
-              <a:rPr lang="en-US" sz="1200" dirty="0">
-                <a:solidFill>
-                  <a:schemeClr val="tx1"/>
-                </a:solidFill>
-                <a:latin typeface="Roboto"/>
-                <a:ea typeface="Roboto"/>
-                <a:cs typeface="Roboto"/>
-                <a:sym typeface="Roboto"/>
-              </a:rPr>
-              <a:t> (22BCE012)</a:t>
-            </a:r>
-          </a:p>
-          <a:p>
-            <a:pPr marL="285750" lvl="0" indent="-285750" rtl="0">
-              <a:lnSpc>
-                <a:spcPts val="2200"/>
-              </a:lnSpc>
-              <a:spcBef>
-                <a:spcPts val="0"/>
-              </a:spcBef>
-              <a:spcAft>
-                <a:spcPts val="0"/>
-              </a:spcAft>
-              <a:buFont typeface="Arial" panose="020B0604020202020204" pitchFamily="34" charset="0"/>
-              <a:buChar char="•"/>
-            </a:pPr>
             <a:endParaRPr lang="en-US" sz="1200" dirty="0">
               <a:solidFill>
                 <a:schemeClr val="tx1"/>
